--- a/Architecture/OS-DNA-Architecture.pptx
+++ b/Architecture/OS-DNA-Architecture.pptx
@@ -3315,30 +3315,6 @@
           </a:p>
         </p:txBody>
       </p:sp>
-      <p:pic>
-        <p:nvPicPr>
-          <p:cNvPr id="4" name="Picture 3"/>
-          <p:cNvPicPr>
-            <a:picLocks noChangeAspect="1"/>
-          </p:cNvPicPr>
-          <p:nvPr/>
-        </p:nvPicPr>
-        <p:blipFill>
-          <a:blip r:embed="rId2"/>
-          <a:stretch>
-            <a:fillRect/>
-          </a:stretch>
-        </p:blipFill>
-        <p:spPr>
-          <a:xfrm>
-            <a:off x="946283" y="173593"/>
-            <a:ext cx="9226417" cy="6584796"/>
-          </a:xfrm>
-          <a:prstGeom prst="rect">
-            <a:avLst/>
-          </a:prstGeom>
-        </p:spPr>
-      </p:pic>
     </p:spTree>
     <p:extLst>
       <p:ext uri="{BB962C8B-B14F-4D97-AF65-F5344CB8AC3E}">
